--- a/Powerpoint/Webinar.pptx
+++ b/Powerpoint/Webinar.pptx
@@ -9,7 +9,7 @@
   </p:notesMasterIdLst>
   <p:sldIdLst>
     <p:sldId id="256" r:id="rId2"/>
-    <p:sldId id="294" r:id="rId3"/>
+    <p:sldId id="382" r:id="rId3"/>
     <p:sldId id="295" r:id="rId4"/>
     <p:sldId id="296" r:id="rId5"/>
     <p:sldId id="381" r:id="rId6"/>
@@ -216,7 +216,7 @@
           <a:p>
             <a:fld id="{EF7605A9-D843-407C-9CBE-B56DCAD297D7}" type="datetimeFigureOut">
               <a:rPr lang="en-US" smtClean="0"/>
-              <a:t>9/4/2020</a:t>
+              <a:t>6/14/2021</a:t>
             </a:fld>
             <a:endParaRPr lang="en-US"/>
           </a:p>
@@ -662,7 +662,7 @@
     </p:spTree>
     <p:extLst>
       <p:ext uri="{BB962C8B-B14F-4D97-AF65-F5344CB8AC3E}">
-        <p14:creationId xmlns:p14="http://schemas.microsoft.com/office/powerpoint/2010/main" val="1605301371"/>
+        <p14:creationId xmlns:p14="http://schemas.microsoft.com/office/powerpoint/2010/main" val="3324141581"/>
       </p:ext>
     </p:extLst>
   </p:cSld>
@@ -1005,7 +1005,7 @@
           <a:p>
             <a:fld id="{ACF7820E-34FD-4988-B782-4EA914680210}" type="datetimeFigureOut">
               <a:rPr lang="da-DK" smtClean="0"/>
-              <a:t>04-09-2020</a:t>
+              <a:t>14-06-2021</a:t>
             </a:fld>
             <a:endParaRPr lang="da-DK"/>
           </a:p>
@@ -1153,7 +1153,7 @@
           <a:p>
             <a:fld id="{ACF7820E-34FD-4988-B782-4EA914680210}" type="datetimeFigureOut">
               <a:rPr lang="da-DK" smtClean="0"/>
-              <a:t>04-09-2020</a:t>
+              <a:t>14-06-2021</a:t>
             </a:fld>
             <a:endParaRPr lang="da-DK"/>
           </a:p>
@@ -1278,7 +1278,7 @@
           <a:p>
             <a:fld id="{ACF7820E-34FD-4988-B782-4EA914680210}" type="datetimeFigureOut">
               <a:rPr lang="da-DK" smtClean="0"/>
-              <a:t>04-09-2020</a:t>
+              <a:t>14-06-2021</a:t>
             </a:fld>
             <a:endParaRPr lang="da-DK"/>
           </a:p>
@@ -1403,7 +1403,7 @@
           <a:p>
             <a:fld id="{ACF7820E-34FD-4988-B782-4EA914680210}" type="datetimeFigureOut">
               <a:rPr lang="da-DK" smtClean="0"/>
-              <a:t>04-09-2020</a:t>
+              <a:t>14-06-2021</a:t>
             </a:fld>
             <a:endParaRPr lang="da-DK"/>
           </a:p>
@@ -1717,7 +1717,7 @@
           <a:p>
             <a:fld id="{ACF7820E-34FD-4988-B782-4EA914680210}" type="datetimeFigureOut">
               <a:rPr lang="da-DK" smtClean="0"/>
-              <a:t>04-09-2020</a:t>
+              <a:t>14-06-2021</a:t>
             </a:fld>
             <a:endParaRPr lang="da-DK"/>
           </a:p>
@@ -2031,7 +2031,7 @@
           <a:p>
             <a:fld id="{ACF7820E-34FD-4988-B782-4EA914680210}" type="datetimeFigureOut">
               <a:rPr lang="da-DK" smtClean="0"/>
-              <a:t>04-09-2020</a:t>
+              <a:t>14-06-2021</a:t>
             </a:fld>
             <a:endParaRPr lang="da-DK"/>
           </a:p>
@@ -2314,7 +2314,7 @@
           <a:p>
             <a:fld id="{ACF7820E-34FD-4988-B782-4EA914680210}" type="datetimeFigureOut">
               <a:rPr lang="da-DK" smtClean="0"/>
-              <a:t>04-09-2020</a:t>
+              <a:t>14-06-2021</a:t>
             </a:fld>
             <a:endParaRPr lang="da-DK"/>
           </a:p>
@@ -2597,7 +2597,7 @@
           <a:p>
             <a:fld id="{ACF7820E-34FD-4988-B782-4EA914680210}" type="datetimeFigureOut">
               <a:rPr lang="da-DK" smtClean="0"/>
-              <a:t>04-09-2020</a:t>
+              <a:t>14-06-2021</a:t>
             </a:fld>
             <a:endParaRPr lang="da-DK"/>
           </a:p>
@@ -2802,7 +2802,7 @@
           <a:p>
             <a:fld id="{ACF7820E-34FD-4988-B782-4EA914680210}" type="datetimeFigureOut">
               <a:rPr lang="da-DK" smtClean="0"/>
-              <a:t>04-09-2020</a:t>
+              <a:t>14-06-2021</a:t>
             </a:fld>
             <a:endParaRPr lang="da-DK"/>
           </a:p>
@@ -3007,7 +3007,7 @@
           <a:p>
             <a:fld id="{ACF7820E-34FD-4988-B782-4EA914680210}" type="datetimeFigureOut">
               <a:rPr lang="da-DK" smtClean="0"/>
-              <a:t>04-09-2020</a:t>
+              <a:t>14-06-2021</a:t>
             </a:fld>
             <a:endParaRPr lang="da-DK"/>
           </a:p>
@@ -3283,7 +3283,7 @@
           <a:p>
             <a:fld id="{ACF7820E-34FD-4988-B782-4EA914680210}" type="datetimeFigureOut">
               <a:rPr lang="da-DK" smtClean="0"/>
-              <a:t>04-09-2020</a:t>
+              <a:t>14-06-2021</a:t>
             </a:fld>
             <a:endParaRPr lang="da-DK"/>
           </a:p>
@@ -3515,7 +3515,7 @@
           <a:p>
             <a:fld id="{ACF7820E-34FD-4988-B782-4EA914680210}" type="datetimeFigureOut">
               <a:rPr lang="da-DK" smtClean="0"/>
-              <a:t>04-09-2020</a:t>
+              <a:t>14-06-2021</a:t>
             </a:fld>
             <a:endParaRPr lang="da-DK"/>
           </a:p>
@@ -3777,7 +3777,7 @@
           <a:p>
             <a:fld id="{ACF7820E-34FD-4988-B782-4EA914680210}" type="datetimeFigureOut">
               <a:rPr lang="da-DK" smtClean="0"/>
-              <a:t>04-09-2020</a:t>
+              <a:t>14-06-2021</a:t>
             </a:fld>
             <a:endParaRPr lang="da-DK"/>
           </a:p>
@@ -4190,7 +4190,7 @@
           <a:p>
             <a:fld id="{ACF7820E-34FD-4988-B782-4EA914680210}" type="datetimeFigureOut">
               <a:rPr lang="da-DK" smtClean="0"/>
-              <a:t>04-09-2020</a:t>
+              <a:t>14-06-2021</a:t>
             </a:fld>
             <a:endParaRPr lang="da-DK"/>
           </a:p>
@@ -4603,7 +4603,7 @@
           <a:p>
             <a:fld id="{ACF7820E-34FD-4988-B782-4EA914680210}" type="datetimeFigureOut">
               <a:rPr lang="da-DK" smtClean="0"/>
-              <a:t>04-09-2020</a:t>
+              <a:t>14-06-2021</a:t>
             </a:fld>
             <a:endParaRPr lang="da-DK"/>
           </a:p>
@@ -4751,7 +4751,7 @@
           <a:p>
             <a:fld id="{ACF7820E-34FD-4988-B782-4EA914680210}" type="datetimeFigureOut">
               <a:rPr lang="da-DK" smtClean="0"/>
-              <a:t>04-09-2020</a:t>
+              <a:t>14-06-2021</a:t>
             </a:fld>
             <a:endParaRPr lang="da-DK"/>
           </a:p>
@@ -4994,7 +4994,7 @@
           <a:p>
             <a:fld id="{ACF7820E-34FD-4988-B782-4EA914680210}" type="datetimeFigureOut">
               <a:rPr lang="da-DK" smtClean="0"/>
-              <a:t>04-09-2020</a:t>
+              <a:t>14-06-2021</a:t>
             </a:fld>
             <a:endParaRPr lang="da-DK"/>
           </a:p>
@@ -5446,6 +5446,12 @@
               <a:t>René Brummel</a:t>
             </a:r>
           </a:p>
+          <a:p>
+            <a:r>
+              <a:rPr lang="en-US" i="1" dirty="0"/>
+              <a:t>Record session</a:t>
+            </a:r>
+          </a:p>
         </p:txBody>
       </p:sp>
     </p:spTree>
@@ -6363,8 +6369,8 @@
         </p:nvSpPr>
         <p:spPr>
           <a:xfrm>
-            <a:off x="536294" y="1582340"/>
-            <a:ext cx="4892233" cy="2585323"/>
+            <a:off x="536294" y="1690687"/>
+            <a:ext cx="4892233" cy="3693319"/>
           </a:xfrm>
           <a:prstGeom prst="rect">
             <a:avLst/>
@@ -6387,65 +6393,70 @@
             </a:r>
           </a:p>
           <a:p>
-            <a:r>
-              <a:rPr lang="en-US" dirty="0"/>
-              <a:t>- Setup</a:t>
-            </a:r>
-          </a:p>
-          <a:p>
-            <a:r>
-              <a:rPr lang="en-US" dirty="0"/>
-              <a:t>- Edit your first report</a:t>
-            </a:r>
-          </a:p>
-          <a:p>
-            <a:r>
-              <a:rPr lang="en-US" dirty="0"/>
-              <a:t>- Designer deep dive</a:t>
-            </a:r>
-            <a:endParaRPr lang="en-US" dirty="0">
-              <a:solidFill>
-                <a:srgbClr val="E64215"/>
-              </a:solidFill>
-            </a:endParaRPr>
-          </a:p>
-          <a:p>
-            <a:r>
-              <a:rPr lang="en-US" dirty="0"/>
-              <a:t>- Custom report layouts</a:t>
-            </a:r>
-          </a:p>
-          <a:p>
-            <a:r>
-              <a:rPr lang="en-US" dirty="0"/>
-              <a:t>- Templates</a:t>
-            </a:r>
-          </a:p>
-          <a:p>
-            <a:pPr marL="285750" indent="-285750">
-              <a:buFontTx/>
-              <a:buChar char="-"/>
-            </a:pPr>
-            <a:r>
-              <a:rPr lang="en-US" dirty="0"/>
-              <a:t>ForNAV Language module</a:t>
-            </a:r>
-          </a:p>
-          <a:p>
-            <a:pPr marL="285750" indent="-285750">
-              <a:buFontTx/>
-              <a:buChar char="-"/>
-            </a:pPr>
-            <a:r>
-              <a:rPr lang="en-US" dirty="0"/>
-              <a:t>Direct print</a:t>
-            </a:r>
-          </a:p>
-          <a:p>
-            <a:r>
-              <a:rPr lang="en-US" dirty="0"/>
-              <a:t>- Change of fonts and show output</a:t>
-            </a:r>
+            <a:endParaRPr lang="en-US" dirty="0"/>
+          </a:p>
+          <a:p>
+            <a:r>
+              <a:rPr lang="en-US" dirty="0"/>
+              <a:t>Introduction</a:t>
+            </a:r>
+          </a:p>
+          <a:p>
+            <a:r>
+              <a:rPr lang="en-US" dirty="0"/>
+              <a:t>Setup</a:t>
+            </a:r>
+          </a:p>
+          <a:p>
+            <a:r>
+              <a:rPr lang="en-US" dirty="0"/>
+              <a:t>Edit your first report</a:t>
+            </a:r>
+          </a:p>
+          <a:p>
+            <a:r>
+              <a:rPr lang="en-US" dirty="0"/>
+              <a:t>Designer deep dive</a:t>
+            </a:r>
+          </a:p>
+          <a:p>
+            <a:r>
+              <a:rPr lang="en-US" dirty="0"/>
+              <a:t>Custom report layouts</a:t>
+            </a:r>
+          </a:p>
+          <a:p>
+            <a:r>
+              <a:rPr lang="en-US" dirty="0"/>
+              <a:t>Templates</a:t>
+            </a:r>
+          </a:p>
+          <a:p>
+            <a:r>
+              <a:rPr lang="en-US" dirty="0"/>
+              <a:t>ForNAV Language module</a:t>
+            </a:r>
+          </a:p>
+          <a:p>
+            <a:r>
+              <a:rPr lang="en-US" dirty="0"/>
+              <a:t>Direct Print</a:t>
+            </a:r>
+          </a:p>
+          <a:p>
+            <a:r>
+              <a:rPr lang="en-US" dirty="0"/>
+              <a:t>Archiving</a:t>
+            </a:r>
+          </a:p>
+          <a:p>
+            <a:r>
+              <a:rPr lang="en-US" dirty="0"/>
+              <a:t>Permissions</a:t>
+            </a:r>
+          </a:p>
+          <a:p>
+            <a:endParaRPr lang="en-US" dirty="0"/>
           </a:p>
         </p:txBody>
       </p:sp>
@@ -6464,7 +6475,7 @@
         <p:spPr>
           <a:xfrm>
             <a:off x="5730433" y="1690688"/>
-            <a:ext cx="4892233" cy="2585323"/>
+            <a:ext cx="6282497" cy="3693319"/>
           </a:xfrm>
           <a:prstGeom prst="rect">
             <a:avLst/>
@@ -6487,82 +6498,85 @@
             </a:r>
           </a:p>
           <a:p>
-            <a:r>
-              <a:rPr lang="en-US"/>
-              <a:t>- Adding </a:t>
-            </a:r>
-            <a:r>
-              <a:rPr lang="en-US" dirty="0"/>
-              <a:t>data from other tables</a:t>
-            </a:r>
-          </a:p>
-          <a:p>
-            <a:r>
-              <a:rPr lang="en-US" dirty="0"/>
-              <a:t>- Totals and transheaders and -footers</a:t>
-            </a:r>
-            <a:endParaRPr lang="en-US" dirty="0">
-              <a:solidFill>
-                <a:srgbClr val="E64215"/>
-              </a:solidFill>
-            </a:endParaRPr>
-          </a:p>
-          <a:p>
-            <a:r>
-              <a:rPr lang="en-US" dirty="0"/>
-              <a:t>- Add DataItems</a:t>
-            </a:r>
-          </a:p>
-          <a:p>
-            <a:r>
-              <a:rPr lang="en-US" dirty="0"/>
-              <a:t>- </a:t>
-            </a:r>
-            <a:r>
-              <a:rPr lang="en-US" dirty="0" err="1"/>
-              <a:t>Groupheaders</a:t>
-            </a:r>
-            <a:r>
-              <a:rPr lang="en-US" dirty="0"/>
-              <a:t> and -footers</a:t>
-            </a:r>
-            <a:endParaRPr lang="en-US" dirty="0">
-              <a:solidFill>
-                <a:srgbClr val="E64215"/>
-              </a:solidFill>
-            </a:endParaRPr>
-          </a:p>
-          <a:p>
-            <a:r>
-              <a:rPr lang="en-US" dirty="0"/>
-              <a:t>- Create new reports</a:t>
-            </a:r>
-          </a:p>
-          <a:p>
             <a:endParaRPr lang="en-US" dirty="0"/>
           </a:p>
           <a:p>
             <a:r>
-              <a:rPr lang="en-US" dirty="0">
-                <a:solidFill>
-                  <a:srgbClr val="E64215"/>
-                </a:solidFill>
-              </a:rPr>
-              <a:t>Session 3</a:t>
-            </a:r>
-          </a:p>
-          <a:p>
-            <a:r>
-              <a:rPr lang="en-US" dirty="0"/>
-              <a:t>- Recap and last questions</a:t>
-            </a:r>
+              <a:rPr lang="en-US" dirty="0"/>
+              <a:t>Adding data from other tables</a:t>
+            </a:r>
+          </a:p>
+          <a:p>
+            <a:r>
+              <a:rPr lang="en-US" dirty="0"/>
+              <a:t>Totals and transheaders and -footers</a:t>
+            </a:r>
+          </a:p>
+          <a:p>
+            <a:r>
+              <a:rPr lang="en-US" dirty="0"/>
+              <a:t>Add DataItems</a:t>
+            </a:r>
+          </a:p>
+          <a:p>
+            <a:r>
+              <a:rPr lang="en-US" dirty="0"/>
+              <a:t>Group headers and footers</a:t>
+            </a:r>
+          </a:p>
+          <a:p>
+            <a:r>
+              <a:rPr lang="en-US" dirty="0"/>
+              <a:t>Dynamic change of fonts, colors, and show output</a:t>
+            </a:r>
+          </a:p>
+          <a:p>
+            <a:pPr marL="285750" indent="-285750">
+              <a:buFontTx/>
+              <a:buChar char="-"/>
+            </a:pPr>
+            <a:r>
+              <a:rPr lang="en-US" dirty="0"/>
+              <a:t>Add Pos No</a:t>
+            </a:r>
+          </a:p>
+          <a:p>
+            <a:pPr marL="285750" indent="-285750">
+              <a:buFontTx/>
+              <a:buChar char="-"/>
+            </a:pPr>
+            <a:r>
+              <a:rPr lang="en-US" dirty="0"/>
+              <a:t>Freight to subtotal</a:t>
+            </a:r>
+          </a:p>
+          <a:p>
+            <a:r>
+              <a:rPr lang="en-US" dirty="0"/>
+              <a:t>Dynamic change of logos and watermarks</a:t>
+            </a:r>
+          </a:p>
+          <a:p>
+            <a:r>
+              <a:rPr lang="en-US" dirty="0"/>
+              <a:t>Create new reports</a:t>
+            </a:r>
+          </a:p>
+          <a:p>
+            <a:r>
+              <a:rPr lang="en-US" dirty="0"/>
+              <a:t>Deployment</a:t>
+            </a:r>
+          </a:p>
+          <a:p>
+            <a:endParaRPr lang="en-US" dirty="0"/>
           </a:p>
         </p:txBody>
       </p:sp>
     </p:spTree>
     <p:extLst>
       <p:ext uri="{BB962C8B-B14F-4D97-AF65-F5344CB8AC3E}">
-        <p14:creationId xmlns:p14="http://schemas.microsoft.com/office/powerpoint/2010/main" val="2725711140"/>
+        <p14:creationId xmlns:p14="http://schemas.microsoft.com/office/powerpoint/2010/main" val="1980598660"/>
       </p:ext>
     </p:extLst>
   </p:cSld>
